--- a/SDP - B조.pptx
+++ b/SDP - B조.pptx
@@ -20,11 +20,11 @@
   <p:notesSz cx="6858000" cy="9144000"/>
   <p:embeddedFontLst>
     <p:embeddedFont>
-      <p:font typeface="KoPubWorld돋움체 Bold" panose="00000800000000000000" pitchFamily="2" charset="-127"/>
+      <p:font typeface="KoPubWorld돋움체 Bold" panose="020B0600000101010101" charset="-127"/>
       <p:bold r:id="rId12"/>
     </p:embeddedFont>
     <p:embeddedFont>
-      <p:font typeface="KoPubWorld돋움체 Light" panose="00000300000000000000" pitchFamily="2" charset="-127"/>
+      <p:font typeface="KoPubWorld돋움체 Light" panose="020B0600000101010101" charset="-127"/>
       <p:regular r:id="rId13"/>
     </p:embeddedFont>
     <p:embeddedFont>
@@ -288,7 +288,7 @@
           <a:p>
             <a:fld id="{B441A2CC-AD33-4BEB-BEDF-7117FCB0AF3A}" type="datetimeFigureOut">
               <a:rPr lang="ko-KR" altLang="en-US" smtClean="0"/>
-              <a:t>2022-02-13</a:t>
+              <a:t>2022-02-14</a:t>
             </a:fld>
             <a:endParaRPr lang="ko-KR" altLang="en-US"/>
           </a:p>
@@ -486,7 +486,7 @@
           <a:p>
             <a:fld id="{B441A2CC-AD33-4BEB-BEDF-7117FCB0AF3A}" type="datetimeFigureOut">
               <a:rPr lang="ko-KR" altLang="en-US" smtClean="0"/>
-              <a:t>2022-02-13</a:t>
+              <a:t>2022-02-14</a:t>
             </a:fld>
             <a:endParaRPr lang="ko-KR" altLang="en-US"/>
           </a:p>
@@ -694,7 +694,7 @@
           <a:p>
             <a:fld id="{B441A2CC-AD33-4BEB-BEDF-7117FCB0AF3A}" type="datetimeFigureOut">
               <a:rPr lang="ko-KR" altLang="en-US" smtClean="0"/>
-              <a:t>2022-02-13</a:t>
+              <a:t>2022-02-14</a:t>
             </a:fld>
             <a:endParaRPr lang="ko-KR" altLang="en-US"/>
           </a:p>
@@ -892,7 +892,7 @@
           <a:p>
             <a:fld id="{B441A2CC-AD33-4BEB-BEDF-7117FCB0AF3A}" type="datetimeFigureOut">
               <a:rPr lang="ko-KR" altLang="en-US" smtClean="0"/>
-              <a:t>2022-02-13</a:t>
+              <a:t>2022-02-14</a:t>
             </a:fld>
             <a:endParaRPr lang="ko-KR" altLang="en-US"/>
           </a:p>
@@ -1167,7 +1167,7 @@
           <a:p>
             <a:fld id="{B441A2CC-AD33-4BEB-BEDF-7117FCB0AF3A}" type="datetimeFigureOut">
               <a:rPr lang="ko-KR" altLang="en-US" smtClean="0"/>
-              <a:t>2022-02-13</a:t>
+              <a:t>2022-02-14</a:t>
             </a:fld>
             <a:endParaRPr lang="ko-KR" altLang="en-US"/>
           </a:p>
@@ -1432,7 +1432,7 @@
           <a:p>
             <a:fld id="{B441A2CC-AD33-4BEB-BEDF-7117FCB0AF3A}" type="datetimeFigureOut">
               <a:rPr lang="ko-KR" altLang="en-US" smtClean="0"/>
-              <a:t>2022-02-13</a:t>
+              <a:t>2022-02-14</a:t>
             </a:fld>
             <a:endParaRPr lang="ko-KR" altLang="en-US"/>
           </a:p>
@@ -1844,7 +1844,7 @@
           <a:p>
             <a:fld id="{B441A2CC-AD33-4BEB-BEDF-7117FCB0AF3A}" type="datetimeFigureOut">
               <a:rPr lang="ko-KR" altLang="en-US" smtClean="0"/>
-              <a:t>2022-02-13</a:t>
+              <a:t>2022-02-14</a:t>
             </a:fld>
             <a:endParaRPr lang="ko-KR" altLang="en-US"/>
           </a:p>
@@ -1985,7 +1985,7 @@
           <a:p>
             <a:fld id="{B441A2CC-AD33-4BEB-BEDF-7117FCB0AF3A}" type="datetimeFigureOut">
               <a:rPr lang="ko-KR" altLang="en-US" smtClean="0"/>
-              <a:t>2022-02-13</a:t>
+              <a:t>2022-02-14</a:t>
             </a:fld>
             <a:endParaRPr lang="ko-KR" altLang="en-US"/>
           </a:p>
@@ -2098,7 +2098,7 @@
           <a:p>
             <a:fld id="{B441A2CC-AD33-4BEB-BEDF-7117FCB0AF3A}" type="datetimeFigureOut">
               <a:rPr lang="ko-KR" altLang="en-US" smtClean="0"/>
-              <a:t>2022-02-13</a:t>
+              <a:t>2022-02-14</a:t>
             </a:fld>
             <a:endParaRPr lang="ko-KR" altLang="en-US"/>
           </a:p>
@@ -2409,7 +2409,7 @@
           <a:p>
             <a:fld id="{B441A2CC-AD33-4BEB-BEDF-7117FCB0AF3A}" type="datetimeFigureOut">
               <a:rPr lang="ko-KR" altLang="en-US" smtClean="0"/>
-              <a:t>2022-02-13</a:t>
+              <a:t>2022-02-14</a:t>
             </a:fld>
             <a:endParaRPr lang="ko-KR" altLang="en-US"/>
           </a:p>
@@ -2697,7 +2697,7 @@
           <a:p>
             <a:fld id="{B441A2CC-AD33-4BEB-BEDF-7117FCB0AF3A}" type="datetimeFigureOut">
               <a:rPr lang="ko-KR" altLang="en-US" smtClean="0"/>
-              <a:t>2022-02-13</a:t>
+              <a:t>2022-02-14</a:t>
             </a:fld>
             <a:endParaRPr lang="ko-KR" altLang="en-US"/>
           </a:p>
@@ -2944,7 +2944,7 @@
           <a:p>
             <a:fld id="{B441A2CC-AD33-4BEB-BEDF-7117FCB0AF3A}" type="datetimeFigureOut">
               <a:rPr lang="ko-KR" altLang="en-US" smtClean="0"/>
-              <a:t>2022-02-13</a:t>
+              <a:t>2022-02-14</a:t>
             </a:fld>
             <a:endParaRPr lang="ko-KR" altLang="en-US"/>
           </a:p>
@@ -3671,7 +3671,7 @@
         </p:nvSpPr>
         <p:spPr>
           <a:xfrm>
-            <a:off x="2032693" y="2259448"/>
+            <a:off x="2032693" y="2200096"/>
             <a:ext cx="3092168" cy="461665"/>
           </a:xfrm>
           <a:prstGeom prst="rect">
@@ -6493,10 +6493,10 @@
       </p:sp>
       <p:pic>
         <p:nvPicPr>
-          <p:cNvPr id="27" name="그림 26">
-            <a:extLst>
-              <a:ext uri="{FF2B5EF4-FFF2-40B4-BE49-F238E27FC236}">
-                <a16:creationId xmlns:a16="http://schemas.microsoft.com/office/drawing/2014/main" id="{AB90D98C-8863-4CA4-A6CC-0FB25AAB4716}"/>
+          <p:cNvPr id="29" name="그림 28">
+            <a:extLst>
+              <a:ext uri="{FF2B5EF4-FFF2-40B4-BE49-F238E27FC236}">
+                <a16:creationId xmlns:a16="http://schemas.microsoft.com/office/drawing/2014/main" id="{8F471A8B-BB30-443F-B53A-7552FD373956}"/>
               </a:ext>
             </a:extLst>
           </p:cNvPr>
@@ -6513,8 +6513,8 @@
         </p:blipFill>
         <p:spPr>
           <a:xfrm>
-            <a:off x="905814" y="3041619"/>
-            <a:ext cx="5339711" cy="3000375"/>
+            <a:off x="6374921" y="3041619"/>
+            <a:ext cx="4833031" cy="3000375"/>
           </a:xfrm>
           <a:prstGeom prst="rect">
             <a:avLst/>
@@ -6523,10 +6523,10 @@
       </p:pic>
       <p:pic>
         <p:nvPicPr>
-          <p:cNvPr id="29" name="그림 28">
-            <a:extLst>
-              <a:ext uri="{FF2B5EF4-FFF2-40B4-BE49-F238E27FC236}">
-                <a16:creationId xmlns:a16="http://schemas.microsoft.com/office/drawing/2014/main" id="{8F471A8B-BB30-443F-B53A-7552FD373956}"/>
+          <p:cNvPr id="3" name="그림 2">
+            <a:extLst>
+              <a:ext uri="{FF2B5EF4-FFF2-40B4-BE49-F238E27FC236}">
+                <a16:creationId xmlns:a16="http://schemas.microsoft.com/office/drawing/2014/main" id="{E02C0FC3-D13A-4EA0-B64A-25CB0842F70F}"/>
               </a:ext>
             </a:extLst>
           </p:cNvPr>
@@ -6543,8 +6543,8 @@
         </p:blipFill>
         <p:spPr>
           <a:xfrm>
-            <a:off x="6374921" y="3041619"/>
-            <a:ext cx="4833031" cy="3000375"/>
+            <a:off x="984047" y="2949317"/>
+            <a:ext cx="5232195" cy="3092677"/>
           </a:xfrm>
           <a:prstGeom prst="rect">
             <a:avLst/>
